--- a/paper/Идентификация и аутентификация, управление доступом.pptx
+++ b/paper/Идентификация и аутентификация, управление доступом.pptx
@@ -5,7 +5,7 @@
     <p:sldMasterId id="2147483697" r:id="rId1"/>
   </p:sldMasterIdLst>
   <p:notesMasterIdLst>
-    <p:notesMasterId r:id="rId17"/>
+    <p:notesMasterId r:id="rId18"/>
   </p:notesMasterIdLst>
   <p:sldIdLst>
     <p:sldId id="256" r:id="rId2"/>
@@ -13,16 +13,17 @@
     <p:sldId id="257" r:id="rId4"/>
     <p:sldId id="259" r:id="rId5"/>
     <p:sldId id="258" r:id="rId6"/>
-    <p:sldId id="262" r:id="rId7"/>
-    <p:sldId id="265" r:id="rId8"/>
-    <p:sldId id="264" r:id="rId9"/>
-    <p:sldId id="268" r:id="rId10"/>
-    <p:sldId id="269" r:id="rId11"/>
-    <p:sldId id="263" r:id="rId12"/>
-    <p:sldId id="270" r:id="rId13"/>
-    <p:sldId id="266" r:id="rId14"/>
-    <p:sldId id="267" r:id="rId15"/>
-    <p:sldId id="271" r:id="rId16"/>
+    <p:sldId id="273" r:id="rId7"/>
+    <p:sldId id="262" r:id="rId8"/>
+    <p:sldId id="265" r:id="rId9"/>
+    <p:sldId id="264" r:id="rId10"/>
+    <p:sldId id="268" r:id="rId11"/>
+    <p:sldId id="269" r:id="rId12"/>
+    <p:sldId id="263" r:id="rId13"/>
+    <p:sldId id="270" r:id="rId14"/>
+    <p:sldId id="266" r:id="rId15"/>
+    <p:sldId id="267" r:id="rId16"/>
+    <p:sldId id="271" r:id="rId17"/>
   </p:sldIdLst>
   <p:sldSz cx="12192000" cy="6858000"/>
   <p:notesSz cx="6858000" cy="9144000"/>
@@ -121,6 +122,11 @@
       </a:defRPr>
     </a:lvl9pPr>
   </p:defaultTextStyle>
+  <p:extLst>
+    <p:ext uri="{EFAFB233-063F-42B5-8137-9DF3F51BA10A}">
+      <p15:sldGuideLst xmlns:p15="http://schemas.microsoft.com/office/powerpoint/2012/main"/>
+    </p:ext>
+  </p:extLst>
 </p:presentation>
 </file>
 
@@ -206,7 +212,7 @@
           <a:p>
             <a:fld id="{8F5FD476-6E3C-40AE-A279-ACDE9B5327D8}" type="datetimeFigureOut">
               <a:rPr lang="en-GB" smtClean="0"/>
-              <a:t>18/10/2022</a:t>
+              <a:t>24/10/2022</a:t>
             </a:fld>
             <a:endParaRPr lang="en-GB"/>
           </a:p>
@@ -630,7 +636,7 @@
           <a:p>
             <a:fld id="{3415FA50-5CE5-4D18-BBA4-25C20E1E5B93}" type="datetime1">
               <a:rPr lang="en-US" smtClean="0"/>
-              <a:t>10/18/2022</a:t>
+              <a:t>10/24/2022</a:t>
             </a:fld>
             <a:endParaRPr lang="en-US"/>
           </a:p>
@@ -964,7 +970,7 @@
           <a:p>
             <a:fld id="{843D0B3F-0C20-4DE7-B3D7-E2584B099E0A}" type="datetime1">
               <a:rPr lang="en-US" smtClean="0"/>
-              <a:t>10/18/2022</a:t>
+              <a:t>10/24/2022</a:t>
             </a:fld>
             <a:endParaRPr lang="en-US"/>
           </a:p>
@@ -1217,7 +1223,7 @@
           <a:p>
             <a:fld id="{16B2B585-B403-4820-95D0-F3A417BC6B4C}" type="datetime1">
               <a:rPr lang="en-US" smtClean="0"/>
-              <a:t>10/18/2022</a:t>
+              <a:t>10/24/2022</a:t>
             </a:fld>
             <a:endParaRPr lang="en-US"/>
           </a:p>
@@ -1551,7 +1557,7 @@
           <a:p>
             <a:fld id="{49452641-CFB1-4496-A428-0BD3E971D3A4}" type="datetime1">
               <a:rPr lang="en-US" smtClean="0"/>
-              <a:t>10/18/2022</a:t>
+              <a:t>10/24/2022</a:t>
             </a:fld>
             <a:endParaRPr lang="en-US"/>
           </a:p>
@@ -1832,7 +1838,7 @@
           <a:p>
             <a:fld id="{DFC9947A-490F-4143-B3BE-16BA8AED2411}" type="datetime1">
               <a:rPr lang="en-US" smtClean="0"/>
-              <a:t>10/18/2022</a:t>
+              <a:t>10/24/2022</a:t>
             </a:fld>
             <a:endParaRPr lang="en-US"/>
           </a:p>
@@ -2234,7 +2240,7 @@
           <a:p>
             <a:fld id="{DFEFC93E-5B8F-4F13-9522-94264B329486}" type="datetime1">
               <a:rPr lang="en-US" smtClean="0"/>
-              <a:t>10/18/2022</a:t>
+              <a:t>10/24/2022</a:t>
             </a:fld>
             <a:endParaRPr lang="en-US"/>
           </a:p>
@@ -2695,7 +2701,7 @@
           <a:p>
             <a:fld id="{FC82DE56-3C6D-48A8-970C-7EA77E095BAF}" type="datetime1">
               <a:rPr lang="en-US" smtClean="0"/>
-              <a:t>10/18/2022</a:t>
+              <a:t>10/24/2022</a:t>
             </a:fld>
             <a:endParaRPr lang="en-US"/>
           </a:p>
@@ -2928,7 +2934,7 @@
           <a:p>
             <a:fld id="{F69CE9B4-5D23-4DAB-9D7C-5F7291BFD2DF}" type="datetime1">
               <a:rPr lang="en-US" smtClean="0"/>
-              <a:t>10/18/2022</a:t>
+              <a:t>10/24/2022</a:t>
             </a:fld>
             <a:endParaRPr lang="en-US"/>
           </a:p>
@@ -3127,7 +3133,7 @@
           <a:p>
             <a:fld id="{7254F29E-DF66-42F1-AC7A-806D5003C3AC}" type="datetime1">
               <a:rPr lang="en-US" smtClean="0"/>
-              <a:t>10/18/2022</a:t>
+              <a:t>10/24/2022</a:t>
             </a:fld>
             <a:endParaRPr lang="en-US"/>
           </a:p>
@@ -3440,7 +3446,7 @@
           <a:p>
             <a:fld id="{E0316130-A814-4D83-AED1-3F863FDCCE1B}" type="datetime1">
               <a:rPr lang="en-US" smtClean="0"/>
-              <a:t>10/18/2022</a:t>
+              <a:t>10/24/2022</a:t>
             </a:fld>
             <a:endParaRPr lang="en-US"/>
           </a:p>
@@ -3904,7 +3910,7 @@
           <a:p>
             <a:fld id="{7F906935-B272-4D75-A5FC-4C5696AAA179}" type="datetime1">
               <a:rPr lang="en-US" smtClean="0"/>
-              <a:t>10/18/2022</a:t>
+              <a:t>10/24/2022</a:t>
             </a:fld>
             <a:endParaRPr lang="en-US"/>
           </a:p>
@@ -4317,7 +4323,7 @@
           <a:p>
             <a:fld id="{413B7178-9B14-49A7-9B3D-DA2240705ECD}" type="datetime1">
               <a:rPr lang="en-US" smtClean="0"/>
-              <a:t>10/18/2022</a:t>
+              <a:t>10/24/2022</a:t>
             </a:fld>
             <a:endParaRPr lang="en-US"/>
           </a:p>
@@ -5447,7 +5453,7 @@
           <p:cNvPr id="2" name="Заголовок 1">
             <a:extLst>
               <a:ext uri="{FF2B5EF4-FFF2-40B4-BE49-F238E27FC236}">
-                <a16:creationId xmlns:a16="http://schemas.microsoft.com/office/drawing/2014/main" id="{D9B633E7-2A77-E3A0-C91A-5049C0F7E229}"/>
+                <a16:creationId xmlns:a16="http://schemas.microsoft.com/office/drawing/2014/main" id="{EC7089B3-42A4-014C-0DB7-B1B0BB96A083}"/>
               </a:ext>
             </a:extLst>
           </p:cNvPr>
@@ -5456,35 +5462,6 @@
           </p:cNvSpPr>
           <p:nvPr>
             <p:ph type="title"/>
-          </p:nvPr>
-        </p:nvSpPr>
-        <p:spPr/>
-        <p:txBody>
-          <a:bodyPr/>
-          <a:lstStyle/>
-          <a:p>
-            <a:r>
-              <a:rPr lang="ru-RU" sz="4000" dirty="0"/>
-              <a:t>Избирательное управление доступом</a:t>
-            </a:r>
-            <a:endParaRPr lang="en-GB" dirty="0"/>
-          </a:p>
-        </p:txBody>
-      </p:sp>
-      <p:sp>
-        <p:nvSpPr>
-          <p:cNvPr id="3" name="Объект 2">
-            <a:extLst>
-              <a:ext uri="{FF2B5EF4-FFF2-40B4-BE49-F238E27FC236}">
-                <a16:creationId xmlns:a16="http://schemas.microsoft.com/office/drawing/2014/main" id="{062E589D-F39C-2FAC-84D0-E842165B596B}"/>
-              </a:ext>
-            </a:extLst>
-          </p:cNvPr>
-          <p:cNvSpPr>
-            <a:spLocks noGrp="1"/>
-          </p:cNvSpPr>
-          <p:nvPr>
-            <p:ph idx="1"/>
           </p:nvPr>
         </p:nvSpPr>
         <p:spPr/>
@@ -5495,32 +5472,51 @@
           <a:lstStyle/>
           <a:p>
             <a:r>
+              <a:rPr lang="ru-RU" dirty="0"/>
+              <a:t>Модели управления доступом</a:t>
+            </a:r>
+            <a:endParaRPr lang="en-GB" dirty="0"/>
+          </a:p>
+        </p:txBody>
+      </p:sp>
+      <p:sp>
+        <p:nvSpPr>
+          <p:cNvPr id="3" name="Объект 2">
+            <a:extLst>
+              <a:ext uri="{FF2B5EF4-FFF2-40B4-BE49-F238E27FC236}">
+                <a16:creationId xmlns:a16="http://schemas.microsoft.com/office/drawing/2014/main" id="{3A20AE0F-DB80-1B3A-C671-673008BE0D43}"/>
+              </a:ext>
+            </a:extLst>
+          </p:cNvPr>
+          <p:cNvSpPr>
+            <a:spLocks noGrp="1"/>
+          </p:cNvSpPr>
+          <p:nvPr>
+            <p:ph idx="1"/>
+          </p:nvPr>
+        </p:nvSpPr>
+        <p:spPr/>
+        <p:txBody>
+          <a:bodyPr>
+            <a:normAutofit/>
+          </a:bodyPr>
+          <a:lstStyle/>
+          <a:p>
+            <a:r>
               <a:rPr lang="ru-RU" sz="2800" dirty="0"/>
-              <a:t>Избирательное управление доступом (англ. </a:t>
-            </a:r>
-            <a:r>
-              <a:rPr lang="ru-RU" sz="2800" dirty="0" err="1"/>
-              <a:t>discretionary</a:t>
-            </a:r>
+              <a:t>Дискреционное управление доступом</a:t>
+            </a:r>
+          </a:p>
+          <a:p>
             <a:r>
               <a:rPr lang="ru-RU" sz="2800" dirty="0"/>
-              <a:t> </a:t>
-            </a:r>
-            <a:r>
-              <a:rPr lang="ru-RU" sz="2800" dirty="0" err="1"/>
-              <a:t>access</a:t>
-            </a:r>
+              <a:t>Мандатное управление доступом</a:t>
+            </a:r>
+          </a:p>
+          <a:p>
             <a:r>
               <a:rPr lang="ru-RU" sz="2800" dirty="0"/>
-              <a:t> </a:t>
-            </a:r>
-            <a:r>
-              <a:rPr lang="ru-RU" sz="2800" dirty="0" err="1"/>
-              <a:t>control</a:t>
-            </a:r>
-            <a:r>
-              <a:rPr lang="ru-RU" sz="2800" dirty="0"/>
-              <a:t>, DAC) — управление доступом субъектов к объектам на основе списков управления  доступом или матрицы доступа.</a:t>
+              <a:t>Ролевое управление доступом</a:t>
             </a:r>
             <a:endParaRPr lang="en-GB" sz="2800" dirty="0"/>
           </a:p>
@@ -5528,10 +5524,10 @@
       </p:sp>
       <p:sp>
         <p:nvSpPr>
-          <p:cNvPr id="5" name="Номер слайда 4">
-            <a:extLst>
-              <a:ext uri="{FF2B5EF4-FFF2-40B4-BE49-F238E27FC236}">
-                <a16:creationId xmlns:a16="http://schemas.microsoft.com/office/drawing/2014/main" id="{13F41130-9980-1C76-7E28-6FD5E6DC753A}"/>
+          <p:cNvPr id="4" name="Номер слайда 4">
+            <a:extLst>
+              <a:ext uri="{FF2B5EF4-FFF2-40B4-BE49-F238E27FC236}">
+                <a16:creationId xmlns:a16="http://schemas.microsoft.com/office/drawing/2014/main" id="{889A7C47-9069-5527-C3A2-C6656838C6D9}"/>
               </a:ext>
             </a:extLst>
           </p:cNvPr>
@@ -5558,7 +5554,159 @@
             </a:fld>
             <a:r>
               <a:rPr lang="ru-RU" sz="1000" dirty="0"/>
-              <a:t>/15</a:t>
+              <a:t>/16</a:t>
+            </a:r>
+            <a:endParaRPr lang="en-US" sz="1000" dirty="0"/>
+          </a:p>
+        </p:txBody>
+      </p:sp>
+    </p:spTree>
+    <p:extLst>
+      <p:ext uri="{BB962C8B-B14F-4D97-AF65-F5344CB8AC3E}">
+        <p14:creationId xmlns:p14="http://schemas.microsoft.com/office/powerpoint/2010/main" val="2719579270"/>
+      </p:ext>
+    </p:extLst>
+  </p:cSld>
+  <p:clrMapOvr>
+    <a:masterClrMapping/>
+  </p:clrMapOvr>
+</p:sld>
+</file>
+
+<file path=ppt/slides/slide11.xml><?xml version="1.0" encoding="utf-8"?>
+<p:sld xmlns:a="http://schemas.openxmlformats.org/drawingml/2006/main" xmlns:r="http://schemas.openxmlformats.org/officeDocument/2006/relationships" xmlns:p="http://schemas.openxmlformats.org/presentationml/2006/main">
+  <p:cSld>
+    <p:spTree>
+      <p:nvGrpSpPr>
+        <p:cNvPr id="1" name=""/>
+        <p:cNvGrpSpPr/>
+        <p:nvPr/>
+      </p:nvGrpSpPr>
+      <p:grpSpPr>
+        <a:xfrm>
+          <a:off x="0" y="0"/>
+          <a:ext cx="0" cy="0"/>
+          <a:chOff x="0" y="0"/>
+          <a:chExt cx="0" cy="0"/>
+        </a:xfrm>
+      </p:grpSpPr>
+      <p:sp>
+        <p:nvSpPr>
+          <p:cNvPr id="2" name="Заголовок 1">
+            <a:extLst>
+              <a:ext uri="{FF2B5EF4-FFF2-40B4-BE49-F238E27FC236}">
+                <a16:creationId xmlns:a16="http://schemas.microsoft.com/office/drawing/2014/main" id="{D9B633E7-2A77-E3A0-C91A-5049C0F7E229}"/>
+              </a:ext>
+            </a:extLst>
+          </p:cNvPr>
+          <p:cNvSpPr>
+            <a:spLocks noGrp="1"/>
+          </p:cNvSpPr>
+          <p:nvPr>
+            <p:ph type="title"/>
+          </p:nvPr>
+        </p:nvSpPr>
+        <p:spPr/>
+        <p:txBody>
+          <a:bodyPr/>
+          <a:lstStyle/>
+          <a:p>
+            <a:r>
+              <a:rPr lang="ru-RU" sz="4000" dirty="0"/>
+              <a:t>Дискреционное управление доступом</a:t>
+            </a:r>
+            <a:endParaRPr lang="en-GB" dirty="0"/>
+          </a:p>
+        </p:txBody>
+      </p:sp>
+      <p:sp>
+        <p:nvSpPr>
+          <p:cNvPr id="3" name="Объект 2">
+            <a:extLst>
+              <a:ext uri="{FF2B5EF4-FFF2-40B4-BE49-F238E27FC236}">
+                <a16:creationId xmlns:a16="http://schemas.microsoft.com/office/drawing/2014/main" id="{062E589D-F39C-2FAC-84D0-E842165B596B}"/>
+              </a:ext>
+            </a:extLst>
+          </p:cNvPr>
+          <p:cNvSpPr>
+            <a:spLocks noGrp="1"/>
+          </p:cNvSpPr>
+          <p:nvPr>
+            <p:ph idx="1"/>
+          </p:nvPr>
+        </p:nvSpPr>
+        <p:spPr/>
+        <p:txBody>
+          <a:bodyPr>
+            <a:normAutofit/>
+          </a:bodyPr>
+          <a:lstStyle/>
+          <a:p>
+            <a:r>
+              <a:rPr lang="ru-RU" sz="2800" dirty="0"/>
+              <a:t>Дискреционное (избирательное) управление доступом (англ. </a:t>
+            </a:r>
+            <a:r>
+              <a:rPr lang="ru-RU" sz="2800" dirty="0" err="1"/>
+              <a:t>discretionary</a:t>
+            </a:r>
+            <a:r>
+              <a:rPr lang="ru-RU" sz="2800" dirty="0"/>
+              <a:t> </a:t>
+            </a:r>
+            <a:r>
+              <a:rPr lang="ru-RU" sz="2800" dirty="0" err="1"/>
+              <a:t>access</a:t>
+            </a:r>
+            <a:r>
+              <a:rPr lang="ru-RU" sz="2800" dirty="0"/>
+              <a:t> </a:t>
+            </a:r>
+            <a:r>
+              <a:rPr lang="ru-RU" sz="2800" dirty="0" err="1"/>
+              <a:t>control</a:t>
+            </a:r>
+            <a:r>
+              <a:rPr lang="ru-RU" sz="2800" dirty="0"/>
+              <a:t>, DAC) — управление доступом субъектов к объектам на основе списков управления  доступом или матрицы доступа.</a:t>
+            </a:r>
+            <a:endParaRPr lang="en-GB" sz="2800" dirty="0"/>
+          </a:p>
+        </p:txBody>
+      </p:sp>
+      <p:sp>
+        <p:nvSpPr>
+          <p:cNvPr id="4" name="Номер слайда 4">
+            <a:extLst>
+              <a:ext uri="{FF2B5EF4-FFF2-40B4-BE49-F238E27FC236}">
+                <a16:creationId xmlns:a16="http://schemas.microsoft.com/office/drawing/2014/main" id="{CE5ADEE2-AE93-B483-5414-2F3CEFCB1920}"/>
+              </a:ext>
+            </a:extLst>
+          </p:cNvPr>
+          <p:cNvSpPr>
+            <a:spLocks noGrp="1"/>
+          </p:cNvSpPr>
+          <p:nvPr>
+            <p:ph type="sldNum" sz="quarter" idx="12"/>
+          </p:nvPr>
+        </p:nvSpPr>
+        <p:spPr>
+          <a:xfrm>
+            <a:off x="11024553" y="6397103"/>
+            <a:ext cx="700775" cy="365125"/>
+          </a:xfrm>
+        </p:spPr>
+        <p:txBody>
+          <a:bodyPr/>
+          <a:lstStyle/>
+          <a:p>
+            <a:fld id="{5EEB83C2-341F-4C28-A243-1C56DDDA54D3}" type="slidenum">
+              <a:rPr lang="en-US" sz="1000" smtClean="0"/>
+              <a:t>11</a:t>
+            </a:fld>
+            <a:r>
+              <a:rPr lang="ru-RU" sz="1000" dirty="0"/>
+              <a:t>/16</a:t>
             </a:r>
             <a:endParaRPr lang="en-US" sz="1000" dirty="0"/>
           </a:p>
@@ -5577,7 +5725,7 @@
 </p:sld>
 </file>
 
-<file path=ppt/slides/slide11.xml><?xml version="1.0" encoding="utf-8"?>
+<file path=ppt/slides/slide12.xml><?xml version="1.0" encoding="utf-8"?>
 <p:sld xmlns:a="http://schemas.openxmlformats.org/drawingml/2006/main" xmlns:r="http://schemas.openxmlformats.org/officeDocument/2006/relationships" xmlns:p="http://schemas.openxmlformats.org/presentationml/2006/main">
   <p:cSld>
     <p:spTree>
@@ -6125,10 +6273,10 @@
       </p:graphicFrame>
       <p:sp>
         <p:nvSpPr>
-          <p:cNvPr id="6" name="Номер слайда 4">
-            <a:extLst>
-              <a:ext uri="{FF2B5EF4-FFF2-40B4-BE49-F238E27FC236}">
-                <a16:creationId xmlns:a16="http://schemas.microsoft.com/office/drawing/2014/main" id="{B3A4468F-080E-652F-AB0F-F2FED6F1CB88}"/>
+          <p:cNvPr id="3" name="Номер слайда 4">
+            <a:extLst>
+              <a:ext uri="{FF2B5EF4-FFF2-40B4-BE49-F238E27FC236}">
+                <a16:creationId xmlns:a16="http://schemas.microsoft.com/office/drawing/2014/main" id="{B318CA47-B603-F486-C728-38E70FE43CB7}"/>
               </a:ext>
             </a:extLst>
           </p:cNvPr>
@@ -6151,11 +6299,11 @@
           <a:p>
             <a:fld id="{5EEB83C2-341F-4C28-A243-1C56DDDA54D3}" type="slidenum">
               <a:rPr lang="en-US" sz="1000" smtClean="0"/>
-              <a:t>11</a:t>
+              <a:t>12</a:t>
             </a:fld>
             <a:r>
               <a:rPr lang="ru-RU" sz="1000" dirty="0"/>
-              <a:t>/15</a:t>
+              <a:t>/16</a:t>
             </a:r>
             <a:endParaRPr lang="en-US" sz="1000" dirty="0"/>
           </a:p>
@@ -6165,157 +6313,6 @@
     <p:extLst>
       <p:ext uri="{BB962C8B-B14F-4D97-AF65-F5344CB8AC3E}">
         <p14:creationId xmlns:p14="http://schemas.microsoft.com/office/powerpoint/2010/main" val="1772210768"/>
-      </p:ext>
-    </p:extLst>
-  </p:cSld>
-  <p:clrMapOvr>
-    <a:masterClrMapping/>
-  </p:clrMapOvr>
-</p:sld>
-</file>
-
-<file path=ppt/slides/slide12.xml><?xml version="1.0" encoding="utf-8"?>
-<p:sld xmlns:a="http://schemas.openxmlformats.org/drawingml/2006/main" xmlns:r="http://schemas.openxmlformats.org/officeDocument/2006/relationships" xmlns:p="http://schemas.openxmlformats.org/presentationml/2006/main">
-  <p:cSld>
-    <p:spTree>
-      <p:nvGrpSpPr>
-        <p:cNvPr id="1" name=""/>
-        <p:cNvGrpSpPr/>
-        <p:nvPr/>
-      </p:nvGrpSpPr>
-      <p:grpSpPr>
-        <a:xfrm>
-          <a:off x="0" y="0"/>
-          <a:ext cx="0" cy="0"/>
-          <a:chOff x="0" y="0"/>
-          <a:chExt cx="0" cy="0"/>
-        </a:xfrm>
-      </p:grpSpPr>
-      <p:sp>
-        <p:nvSpPr>
-          <p:cNvPr id="2" name="Заголовок 1">
-            <a:extLst>
-              <a:ext uri="{FF2B5EF4-FFF2-40B4-BE49-F238E27FC236}">
-                <a16:creationId xmlns:a16="http://schemas.microsoft.com/office/drawing/2014/main" id="{4B542848-F669-4EAA-D8A4-A170EF3550F1}"/>
-              </a:ext>
-            </a:extLst>
-          </p:cNvPr>
-          <p:cNvSpPr>
-            <a:spLocks noGrp="1"/>
-          </p:cNvSpPr>
-          <p:nvPr>
-            <p:ph type="title"/>
-          </p:nvPr>
-        </p:nvSpPr>
-        <p:spPr/>
-        <p:txBody>
-          <a:bodyPr/>
-          <a:lstStyle/>
-          <a:p>
-            <a:r>
-              <a:rPr lang="ru-RU" sz="4000" dirty="0"/>
-              <a:t>Полномочное управление доступом</a:t>
-            </a:r>
-          </a:p>
-        </p:txBody>
-      </p:sp>
-      <p:sp>
-        <p:nvSpPr>
-          <p:cNvPr id="3" name="Объект 2">
-            <a:extLst>
-              <a:ext uri="{FF2B5EF4-FFF2-40B4-BE49-F238E27FC236}">
-                <a16:creationId xmlns:a16="http://schemas.microsoft.com/office/drawing/2014/main" id="{0A47D8D2-1DF7-004E-75AC-E726C56DA3BA}"/>
-              </a:ext>
-            </a:extLst>
-          </p:cNvPr>
-          <p:cNvSpPr>
-            <a:spLocks noGrp="1"/>
-          </p:cNvSpPr>
-          <p:nvPr>
-            <p:ph idx="1"/>
-          </p:nvPr>
-        </p:nvSpPr>
-        <p:spPr/>
-        <p:txBody>
-          <a:bodyPr>
-            <a:normAutofit/>
-          </a:bodyPr>
-          <a:lstStyle/>
-          <a:p>
-            <a:r>
-              <a:rPr lang="ru-RU" sz="2800" dirty="0"/>
-              <a:t>Мандатное управление доступом (англ. </a:t>
-            </a:r>
-            <a:r>
-              <a:rPr lang="ru-RU" sz="2800" dirty="0" err="1"/>
-              <a:t>Mandatory</a:t>
-            </a:r>
-            <a:r>
-              <a:rPr lang="ru-RU" sz="2800" dirty="0"/>
-              <a:t> </a:t>
-            </a:r>
-            <a:r>
-              <a:rPr lang="ru-RU" sz="2800" dirty="0" err="1"/>
-              <a:t>access</a:t>
-            </a:r>
-            <a:r>
-              <a:rPr lang="ru-RU" sz="2800" dirty="0"/>
-              <a:t> </a:t>
-            </a:r>
-            <a:r>
-              <a:rPr lang="ru-RU" sz="2800" dirty="0" err="1"/>
-              <a:t>control</a:t>
-            </a:r>
-            <a:r>
-              <a:rPr lang="ru-RU" sz="2800" dirty="0"/>
-              <a:t>, MAC) — разграничение доступа субъектов к объектам, основанное на назначении метки конфиденциальности для информации, содержащейся в объектах, и выдаче официальных разрешений (допуска) субъектам на обращение к информации такого уровня конфиденциальности. </a:t>
-            </a:r>
-            <a:endParaRPr lang="en-GB" sz="2800" dirty="0"/>
-          </a:p>
-        </p:txBody>
-      </p:sp>
-      <p:sp>
-        <p:nvSpPr>
-          <p:cNvPr id="5" name="Номер слайда 4">
-            <a:extLst>
-              <a:ext uri="{FF2B5EF4-FFF2-40B4-BE49-F238E27FC236}">
-                <a16:creationId xmlns:a16="http://schemas.microsoft.com/office/drawing/2014/main" id="{31BE47A3-4199-DD54-DED0-6570C3E5FA2D}"/>
-              </a:ext>
-            </a:extLst>
-          </p:cNvPr>
-          <p:cNvSpPr>
-            <a:spLocks noGrp="1"/>
-          </p:cNvSpPr>
-          <p:nvPr>
-            <p:ph type="sldNum" sz="quarter" idx="12"/>
-          </p:nvPr>
-        </p:nvSpPr>
-        <p:spPr>
-          <a:xfrm>
-            <a:off x="11024553" y="6397103"/>
-            <a:ext cx="700775" cy="365125"/>
-          </a:xfrm>
-        </p:spPr>
-        <p:txBody>
-          <a:bodyPr/>
-          <a:lstStyle/>
-          <a:p>
-            <a:fld id="{5EEB83C2-341F-4C28-A243-1C56DDDA54D3}" type="slidenum">
-              <a:rPr lang="en-US" sz="1000" smtClean="0"/>
-              <a:t>12</a:t>
-            </a:fld>
-            <a:r>
-              <a:rPr lang="ru-RU" sz="1000" dirty="0"/>
-              <a:t>/15</a:t>
-            </a:r>
-            <a:endParaRPr lang="en-US" sz="1000" dirty="0"/>
-          </a:p>
-        </p:txBody>
-      </p:sp>
-    </p:spTree>
-    <p:extLst>
-      <p:ext uri="{BB962C8B-B14F-4D97-AF65-F5344CB8AC3E}">
-        <p14:creationId xmlns:p14="http://schemas.microsoft.com/office/powerpoint/2010/main" val="1931910173"/>
       </p:ext>
     </p:extLst>
   </p:cSld>
@@ -6347,7 +6344,7 @@
           <p:cNvPr id="2" name="Заголовок 1">
             <a:extLst>
               <a:ext uri="{FF2B5EF4-FFF2-40B4-BE49-F238E27FC236}">
-                <a16:creationId xmlns:a16="http://schemas.microsoft.com/office/drawing/2014/main" id="{59116CF7-571E-DE6A-EC25-5990F2EB87EF}"/>
+                <a16:creationId xmlns:a16="http://schemas.microsoft.com/office/drawing/2014/main" id="{4B542848-F669-4EAA-D8A4-A170EF3550F1}"/>
               </a:ext>
             </a:extLst>
           </p:cNvPr>
@@ -6365,18 +6362,21 @@
           <a:p>
             <a:r>
               <a:rPr lang="ru-RU" dirty="0"/>
-              <a:t>Ролевое управление доступом</a:t>
-            </a:r>
-            <a:endParaRPr lang="en-GB" dirty="0"/>
-          </a:p>
-        </p:txBody>
-      </p:sp>
-      <p:sp>
-        <p:nvSpPr>
-          <p:cNvPr id="19" name="Объект 18">
-            <a:extLst>
-              <a:ext uri="{FF2B5EF4-FFF2-40B4-BE49-F238E27FC236}">
-                <a16:creationId xmlns:a16="http://schemas.microsoft.com/office/drawing/2014/main" id="{2D5369A6-CD5A-2BFE-79CC-23C5BF366137}"/>
+              <a:t>Мандатное</a:t>
+            </a:r>
+            <a:r>
+              <a:rPr lang="ru-RU" sz="4000" dirty="0"/>
+              <a:t> управление доступом</a:t>
+            </a:r>
+          </a:p>
+        </p:txBody>
+      </p:sp>
+      <p:sp>
+        <p:nvSpPr>
+          <p:cNvPr id="3" name="Объект 2">
+            <a:extLst>
+              <a:ext uri="{FF2B5EF4-FFF2-40B4-BE49-F238E27FC236}">
+                <a16:creationId xmlns:a16="http://schemas.microsoft.com/office/drawing/2014/main" id="{0A47D8D2-1DF7-004E-75AC-E726C56DA3BA}"/>
               </a:ext>
             </a:extLst>
           </p:cNvPr>
@@ -6387,12 +6387,7 @@
             <p:ph idx="1"/>
           </p:nvPr>
         </p:nvSpPr>
-        <p:spPr>
-          <a:xfrm>
-            <a:off x="571499" y="2075688"/>
-            <a:ext cx="5805447" cy="3910987"/>
-          </a:xfrm>
-        </p:spPr>
+        <p:spPr/>
         <p:txBody>
           <a:bodyPr>
             <a:normAutofit/>
@@ -6400,65 +6395,43 @@
           <a:lstStyle/>
           <a:p>
             <a:r>
-              <a:rPr lang="ru-RU" sz="2400" dirty="0"/>
-              <a:t>Управление доступом на основе ролей (англ. </a:t>
-            </a:r>
-            <a:r>
-              <a:rPr lang="ru-RU" sz="2400" dirty="0" err="1"/>
-              <a:t>Role</a:t>
-            </a:r>
-            <a:r>
-              <a:rPr lang="ru-RU" sz="2400" dirty="0"/>
-              <a:t> Based Access Control, RBAC) — развитие политики избирательного управления доступом, при этом права доступа субъектов системы на объекты группируются с учётом специфики их применения, образуя роли.</a:t>
-            </a:r>
-            <a:endParaRPr lang="en-GB" sz="2400" dirty="0"/>
-          </a:p>
-        </p:txBody>
-      </p:sp>
-      <p:pic>
-        <p:nvPicPr>
-          <p:cNvPr id="20" name="Объект 4">
-            <a:extLst>
-              <a:ext uri="{FF2B5EF4-FFF2-40B4-BE49-F238E27FC236}">
-                <a16:creationId xmlns:a16="http://schemas.microsoft.com/office/drawing/2014/main" id="{036E1A95-1129-A25F-B44D-DDD15D7E76E9}"/>
-              </a:ext>
-            </a:extLst>
-          </p:cNvPr>
-          <p:cNvPicPr>
-            <a:picLocks noChangeAspect="1"/>
-          </p:cNvPicPr>
-          <p:nvPr/>
-        </p:nvPicPr>
-        <p:blipFill rotWithShape="1">
-          <a:blip r:embed="rId2">
-            <a:extLst>
-              <a:ext uri="{28A0092B-C50C-407E-A947-70E740481C1C}">
-                <a14:useLocalDpi xmlns:a14="http://schemas.microsoft.com/office/drawing/2010/main" val="0"/>
-              </a:ext>
-              <a:ext uri="{96DAC541-7B7A-43D3-8B79-37D633B846F1}">
-                <asvg:svgBlip xmlns:asvg="http://schemas.microsoft.com/office/drawing/2016/SVG/main" r:embed="rId3"/>
-              </a:ext>
-            </a:extLst>
-          </a:blip>
-          <a:srcRect l="25720" t="12782" r="24248" b="43699"/>
-          <a:stretch/>
-        </p:blipFill>
-        <p:spPr>
-          <a:xfrm>
-            <a:off x="6200602" y="2401716"/>
-            <a:ext cx="5627051" cy="3450444"/>
-          </a:xfrm>
-          <a:prstGeom prst="rect">
-            <a:avLst/>
-          </a:prstGeom>
-        </p:spPr>
-      </p:pic>
-      <p:sp>
-        <p:nvSpPr>
-          <p:cNvPr id="22" name="Номер слайда 4">
-            <a:extLst>
-              <a:ext uri="{FF2B5EF4-FFF2-40B4-BE49-F238E27FC236}">
-                <a16:creationId xmlns:a16="http://schemas.microsoft.com/office/drawing/2014/main" id="{2D37EA65-CE20-2713-EC22-0B4FF24CD263}"/>
+              <a:rPr lang="ru-RU" sz="2800" dirty="0"/>
+              <a:t>Мандатное (полномочное) управление доступом (англ. </a:t>
+            </a:r>
+            <a:r>
+              <a:rPr lang="ru-RU" sz="2800" dirty="0" err="1"/>
+              <a:t>Mandatory</a:t>
+            </a:r>
+            <a:r>
+              <a:rPr lang="ru-RU" sz="2800" dirty="0"/>
+              <a:t> </a:t>
+            </a:r>
+            <a:r>
+              <a:rPr lang="ru-RU" sz="2800" dirty="0" err="1"/>
+              <a:t>access</a:t>
+            </a:r>
+            <a:r>
+              <a:rPr lang="ru-RU" sz="2800" dirty="0"/>
+              <a:t> </a:t>
+            </a:r>
+            <a:r>
+              <a:rPr lang="ru-RU" sz="2800" dirty="0" err="1"/>
+              <a:t>control</a:t>
+            </a:r>
+            <a:r>
+              <a:rPr lang="ru-RU" sz="2800" dirty="0"/>
+              <a:t>, MAC) — разграничение доступа субъектов к объектам, основанное на назначении метки конфиденциальности для информации, содержащейся в объектах, и выдаче официальных разрешений субъектам на обращение к информации такого уровня конфиденциальности. </a:t>
+            </a:r>
+            <a:endParaRPr lang="en-GB" sz="2800" dirty="0"/>
+          </a:p>
+        </p:txBody>
+      </p:sp>
+      <p:sp>
+        <p:nvSpPr>
+          <p:cNvPr id="4" name="Номер слайда 4">
+            <a:extLst>
+              <a:ext uri="{FF2B5EF4-FFF2-40B4-BE49-F238E27FC236}">
+                <a16:creationId xmlns:a16="http://schemas.microsoft.com/office/drawing/2014/main" id="{4C0957A0-04C4-E1C1-F09D-F08D30255B77}"/>
               </a:ext>
             </a:extLst>
           </p:cNvPr>
@@ -6485,7 +6458,7 @@
             </a:fld>
             <a:r>
               <a:rPr lang="ru-RU" sz="1000" dirty="0"/>
-              <a:t>/15</a:t>
+              <a:t>/16</a:t>
             </a:r>
             <a:endParaRPr lang="en-US" sz="1000" dirty="0"/>
           </a:p>
@@ -6494,7 +6467,7 @@
     </p:spTree>
     <p:extLst>
       <p:ext uri="{BB962C8B-B14F-4D97-AF65-F5344CB8AC3E}">
-        <p14:creationId xmlns:p14="http://schemas.microsoft.com/office/powerpoint/2010/main" val="1194356971"/>
+        <p14:creationId xmlns:p14="http://schemas.microsoft.com/office/powerpoint/2010/main" val="1931910173"/>
       </p:ext>
     </p:extLst>
   </p:cSld>
@@ -6526,7 +6499,7 @@
           <p:cNvPr id="2" name="Заголовок 1">
             <a:extLst>
               <a:ext uri="{FF2B5EF4-FFF2-40B4-BE49-F238E27FC236}">
-                <a16:creationId xmlns:a16="http://schemas.microsoft.com/office/drawing/2014/main" id="{C912D122-6E79-D91D-1AC5-8C8419EC73C0}"/>
+                <a16:creationId xmlns:a16="http://schemas.microsoft.com/office/drawing/2014/main" id="{59116CF7-571E-DE6A-EC25-5990F2EB87EF}"/>
               </a:ext>
             </a:extLst>
           </p:cNvPr>
@@ -6535,151 +6508,109 @@
           </p:cNvSpPr>
           <p:nvPr>
             <p:ph type="title"/>
+          </p:nvPr>
+        </p:nvSpPr>
+        <p:spPr/>
+        <p:txBody>
+          <a:bodyPr/>
+          <a:lstStyle/>
+          <a:p>
+            <a:r>
+              <a:rPr lang="ru-RU" dirty="0"/>
+              <a:t>Ролевое управление доступом</a:t>
+            </a:r>
+            <a:endParaRPr lang="en-GB" dirty="0"/>
+          </a:p>
+        </p:txBody>
+      </p:sp>
+      <p:sp>
+        <p:nvSpPr>
+          <p:cNvPr id="19" name="Объект 18">
+            <a:extLst>
+              <a:ext uri="{FF2B5EF4-FFF2-40B4-BE49-F238E27FC236}">
+                <a16:creationId xmlns:a16="http://schemas.microsoft.com/office/drawing/2014/main" id="{2D5369A6-CD5A-2BFE-79CC-23C5BF366137}"/>
+              </a:ext>
+            </a:extLst>
+          </p:cNvPr>
+          <p:cNvSpPr>
+            <a:spLocks noGrp="1"/>
+          </p:cNvSpPr>
+          <p:nvPr>
+            <p:ph idx="1"/>
           </p:nvPr>
         </p:nvSpPr>
         <p:spPr>
           <a:xfrm>
-            <a:off x="571499" y="705192"/>
-            <a:ext cx="11049000" cy="1084101"/>
+            <a:off x="571499" y="2075688"/>
+            <a:ext cx="5805447" cy="3910987"/>
           </a:xfrm>
         </p:spPr>
         <p:txBody>
-          <a:bodyPr/>
-          <a:lstStyle/>
-          <a:p>
-            <a:r>
-              <a:rPr lang="ru-RU" dirty="0"/>
-              <a:t>Заключение</a:t>
-            </a:r>
-            <a:endParaRPr lang="en-GB" dirty="0"/>
-          </a:p>
-        </p:txBody>
-      </p:sp>
-      <p:sp>
-        <p:nvSpPr>
-          <p:cNvPr id="7" name="Объект 6">
-            <a:extLst>
-              <a:ext uri="{FF2B5EF4-FFF2-40B4-BE49-F238E27FC236}">
-                <a16:creationId xmlns:a16="http://schemas.microsoft.com/office/drawing/2014/main" id="{FFDAF5AC-961D-D738-223C-904C0F707ABB}"/>
-              </a:ext>
-            </a:extLst>
-          </p:cNvPr>
-          <p:cNvSpPr>
-            <a:spLocks noGrp="1"/>
-          </p:cNvSpPr>
-          <p:nvPr>
-            <p:ph idx="1"/>
-          </p:nvPr>
-        </p:nvSpPr>
-        <p:spPr/>
-        <p:txBody>
           <a:bodyPr>
-            <a:normAutofit fontScale="77500" lnSpcReduction="20000"/>
+            <a:normAutofit/>
           </a:bodyPr>
           <a:lstStyle/>
           <a:p>
-            <a:pPr marL="0" indent="0">
-              <a:buNone/>
-            </a:pPr>
-            <a:r>
-              <a:rPr lang="ru-RU" sz="2200" b="1" dirty="0"/>
-              <a:t>Идентификация</a:t>
-            </a:r>
-            <a:r>
-              <a:rPr lang="ru-RU" sz="2200" dirty="0"/>
-              <a:t> – процедура опознавания пользователя по предъявленному идентификатору.</a:t>
-            </a:r>
-          </a:p>
-          <a:p>
-            <a:pPr marL="0" indent="0">
-              <a:buNone/>
-            </a:pPr>
-            <a:r>
-              <a:rPr lang="ru-RU" sz="2200" b="1" dirty="0"/>
-              <a:t>Аутентификация</a:t>
-            </a:r>
-            <a:r>
-              <a:rPr lang="ru-RU" sz="2200" dirty="0"/>
-              <a:t> – установление подлинности идентифицированного пользователя.</a:t>
-            </a:r>
-          </a:p>
-          <a:p>
-            <a:pPr marL="0" indent="0">
-              <a:buNone/>
-            </a:pPr>
-            <a:r>
-              <a:rPr lang="ru-RU" sz="2200" dirty="0"/>
-              <a:t>Методы аутентификации: </a:t>
-            </a:r>
-          </a:p>
-          <a:p>
-            <a:r>
-              <a:rPr lang="ru-RU" sz="2200" dirty="0"/>
-              <a:t>вещественное доказательство, подтверждающее личность</a:t>
-            </a:r>
-            <a:r>
-              <a:rPr lang="en-US" sz="2200" dirty="0"/>
-              <a:t>;</a:t>
-            </a:r>
-            <a:endParaRPr lang="ru-RU" sz="2200" dirty="0"/>
-          </a:p>
-          <a:p>
-            <a:r>
-              <a:rPr lang="ru-RU" sz="2200" dirty="0"/>
-              <a:t>парольная информация; </a:t>
-            </a:r>
-          </a:p>
-          <a:p>
-            <a:r>
-              <a:rPr lang="ru-RU" sz="2200" dirty="0"/>
-              <a:t>биометрическая характеристика пользователя.</a:t>
-            </a:r>
-          </a:p>
-          <a:p>
-            <a:pPr marL="0" indent="0">
-              <a:buNone/>
-            </a:pPr>
-            <a:r>
-              <a:rPr lang="ru-RU" sz="2200" dirty="0"/>
-              <a:t>Модели управления доступом:</a:t>
-            </a:r>
-          </a:p>
-          <a:p>
-            <a:r>
-              <a:rPr lang="ru-RU" sz="2200" dirty="0"/>
-              <a:t>Избирательное управление доступом</a:t>
-            </a:r>
-          </a:p>
-          <a:p>
-            <a:r>
-              <a:rPr lang="ru-RU" sz="2200" dirty="0"/>
-              <a:t>Полномочное управление доступом</a:t>
-            </a:r>
-          </a:p>
-          <a:p>
-            <a:r>
-              <a:rPr lang="ru-RU" sz="2200" dirty="0"/>
-              <a:t>Ролевое управление доступом</a:t>
-            </a:r>
-            <a:endParaRPr lang="en-GB" sz="2200" dirty="0"/>
-          </a:p>
-          <a:p>
-            <a:pPr marL="0" indent="0">
-              <a:buNone/>
-            </a:pPr>
-            <a:endParaRPr lang="ru-RU" sz="1600" dirty="0"/>
-          </a:p>
-          <a:p>
-            <a:endParaRPr lang="en-GB" dirty="0"/>
-          </a:p>
-        </p:txBody>
-      </p:sp>
-      <p:sp>
-        <p:nvSpPr>
-          <p:cNvPr id="9" name="Номер слайда 4">
-            <a:extLst>
-              <a:ext uri="{FF2B5EF4-FFF2-40B4-BE49-F238E27FC236}">
-                <a16:creationId xmlns:a16="http://schemas.microsoft.com/office/drawing/2014/main" id="{01576EE0-B728-E7A6-FF74-69CC43C22F01}"/>
+            <a:r>
+              <a:rPr lang="ru-RU" sz="2400" dirty="0"/>
+              <a:t>Управление доступом на основе ролей (англ. </a:t>
+            </a:r>
+            <a:r>
+              <a:rPr lang="ru-RU" sz="2400" dirty="0" err="1"/>
+              <a:t>Role</a:t>
+            </a:r>
+            <a:r>
+              <a:rPr lang="ru-RU" sz="2400" dirty="0"/>
+              <a:t> Based Access Control, RBAC) — развитие политики избирательного управления доступом, в котором права доступа субъектов системы на объекты группируются с учётом специфики их применения, образуя роли.</a:t>
+            </a:r>
+            <a:endParaRPr lang="en-GB" sz="2400" dirty="0"/>
+          </a:p>
+        </p:txBody>
+      </p:sp>
+      <p:pic>
+        <p:nvPicPr>
+          <p:cNvPr id="20" name="Объект 4">
+            <a:extLst>
+              <a:ext uri="{FF2B5EF4-FFF2-40B4-BE49-F238E27FC236}">
+                <a16:creationId xmlns:a16="http://schemas.microsoft.com/office/drawing/2014/main" id="{036E1A95-1129-A25F-B44D-DDD15D7E76E9}"/>
+              </a:ext>
+            </a:extLst>
+          </p:cNvPr>
+          <p:cNvPicPr>
+            <a:picLocks noChangeAspect="1"/>
+          </p:cNvPicPr>
+          <p:nvPr/>
+        </p:nvPicPr>
+        <p:blipFill rotWithShape="1">
+          <a:blip r:embed="rId2">
+            <a:extLst>
+              <a:ext uri="{28A0092B-C50C-407E-A947-70E740481C1C}">
+                <a14:useLocalDpi xmlns:a14="http://schemas.microsoft.com/office/drawing/2010/main" val="0"/>
+              </a:ext>
+              <a:ext uri="{96DAC541-7B7A-43D3-8B79-37D633B846F1}">
+                <asvg:svgBlip xmlns:asvg="http://schemas.microsoft.com/office/drawing/2016/SVG/main" r:embed="rId3"/>
+              </a:ext>
+            </a:extLst>
+          </a:blip>
+          <a:srcRect l="25720" t="12782" r="24248" b="43699"/>
+          <a:stretch/>
+        </p:blipFill>
+        <p:spPr>
+          <a:xfrm>
+            <a:off x="6200602" y="2401716"/>
+            <a:ext cx="5627051" cy="3450444"/>
+          </a:xfrm>
+          <a:prstGeom prst="rect">
+            <a:avLst/>
+          </a:prstGeom>
+        </p:spPr>
+      </p:pic>
+      <p:sp>
+        <p:nvSpPr>
+          <p:cNvPr id="3" name="Номер слайда 4">
+            <a:extLst>
+              <a:ext uri="{FF2B5EF4-FFF2-40B4-BE49-F238E27FC236}">
+                <a16:creationId xmlns:a16="http://schemas.microsoft.com/office/drawing/2014/main" id="{C19B377B-811F-7FB8-D0E0-A9761AA4B2C0}"/>
               </a:ext>
             </a:extLst>
           </p:cNvPr>
@@ -6706,7 +6637,7 @@
             </a:fld>
             <a:r>
               <a:rPr lang="ru-RU" sz="1000" dirty="0"/>
-              <a:t>/15</a:t>
+              <a:t>/16</a:t>
             </a:r>
             <a:endParaRPr lang="en-US" sz="1000" dirty="0"/>
           </a:p>
@@ -6715,7 +6646,7 @@
     </p:spTree>
     <p:extLst>
       <p:ext uri="{BB962C8B-B14F-4D97-AF65-F5344CB8AC3E}">
-        <p14:creationId xmlns:p14="http://schemas.microsoft.com/office/powerpoint/2010/main" val="1626619165"/>
+        <p14:creationId xmlns:p14="http://schemas.microsoft.com/office/powerpoint/2010/main" val="1194356971"/>
       </p:ext>
     </p:extLst>
   </p:cSld>
@@ -6747,6 +6678,154 @@
           <p:cNvPr id="2" name="Заголовок 1">
             <a:extLst>
               <a:ext uri="{FF2B5EF4-FFF2-40B4-BE49-F238E27FC236}">
+                <a16:creationId xmlns:a16="http://schemas.microsoft.com/office/drawing/2014/main" id="{C912D122-6E79-D91D-1AC5-8C8419EC73C0}"/>
+              </a:ext>
+            </a:extLst>
+          </p:cNvPr>
+          <p:cNvSpPr>
+            <a:spLocks noGrp="1"/>
+          </p:cNvSpPr>
+          <p:nvPr>
+            <p:ph type="title"/>
+          </p:nvPr>
+        </p:nvSpPr>
+        <p:spPr>
+          <a:xfrm>
+            <a:off x="571499" y="705192"/>
+            <a:ext cx="11049000" cy="1084101"/>
+          </a:xfrm>
+        </p:spPr>
+        <p:txBody>
+          <a:bodyPr/>
+          <a:lstStyle/>
+          <a:p>
+            <a:r>
+              <a:rPr lang="ru-RU" dirty="0"/>
+              <a:t>Заключение</a:t>
+            </a:r>
+            <a:endParaRPr lang="en-GB" dirty="0"/>
+          </a:p>
+        </p:txBody>
+      </p:sp>
+      <p:sp>
+        <p:nvSpPr>
+          <p:cNvPr id="7" name="Объект 6">
+            <a:extLst>
+              <a:ext uri="{FF2B5EF4-FFF2-40B4-BE49-F238E27FC236}">
+                <a16:creationId xmlns:a16="http://schemas.microsoft.com/office/drawing/2014/main" id="{FFDAF5AC-961D-D738-223C-904C0F707ABB}"/>
+              </a:ext>
+            </a:extLst>
+          </p:cNvPr>
+          <p:cNvSpPr>
+            <a:spLocks noGrp="1"/>
+          </p:cNvSpPr>
+          <p:nvPr>
+            <p:ph idx="1"/>
+          </p:nvPr>
+        </p:nvSpPr>
+        <p:spPr/>
+        <p:txBody>
+          <a:bodyPr>
+            <a:normAutofit/>
+          </a:bodyPr>
+          <a:lstStyle/>
+          <a:p>
+            <a:r>
+              <a:rPr lang="ru-RU" sz="2800" dirty="0"/>
+              <a:t>Основные средства аутентификации: парольная информация, физический носитель, биометрическая характеристика пользователя.</a:t>
+            </a:r>
+          </a:p>
+          <a:p>
+            <a:r>
+              <a:rPr lang="ru-RU" sz="2800" dirty="0"/>
+              <a:t>Модели управления доступом: избирательное управление доступом, полномочное управление доступом, ролевое управление доступом.</a:t>
+            </a:r>
+            <a:endParaRPr lang="en-GB" sz="2800" dirty="0"/>
+          </a:p>
+          <a:p>
+            <a:pPr marL="0" indent="0">
+              <a:buNone/>
+            </a:pPr>
+            <a:endParaRPr lang="ru-RU" dirty="0"/>
+          </a:p>
+          <a:p>
+            <a:endParaRPr lang="en-GB" sz="2800" dirty="0"/>
+          </a:p>
+        </p:txBody>
+      </p:sp>
+      <p:sp>
+        <p:nvSpPr>
+          <p:cNvPr id="4" name="Номер слайда 4">
+            <a:extLst>
+              <a:ext uri="{FF2B5EF4-FFF2-40B4-BE49-F238E27FC236}">
+                <a16:creationId xmlns:a16="http://schemas.microsoft.com/office/drawing/2014/main" id="{0D958DFE-D264-133B-CC2A-DD75CF5C80E3}"/>
+              </a:ext>
+            </a:extLst>
+          </p:cNvPr>
+          <p:cNvSpPr>
+            <a:spLocks noGrp="1"/>
+          </p:cNvSpPr>
+          <p:nvPr>
+            <p:ph type="sldNum" sz="quarter" idx="12"/>
+          </p:nvPr>
+        </p:nvSpPr>
+        <p:spPr>
+          <a:xfrm>
+            <a:off x="11024553" y="6397103"/>
+            <a:ext cx="700775" cy="365125"/>
+          </a:xfrm>
+        </p:spPr>
+        <p:txBody>
+          <a:bodyPr/>
+          <a:lstStyle/>
+          <a:p>
+            <a:fld id="{5EEB83C2-341F-4C28-A243-1C56DDDA54D3}" type="slidenum">
+              <a:rPr lang="en-US" sz="1000" smtClean="0"/>
+              <a:t>15</a:t>
+            </a:fld>
+            <a:r>
+              <a:rPr lang="ru-RU" sz="1000" dirty="0"/>
+              <a:t>/16</a:t>
+            </a:r>
+            <a:endParaRPr lang="en-US" sz="1000" dirty="0"/>
+          </a:p>
+        </p:txBody>
+      </p:sp>
+    </p:spTree>
+    <p:extLst>
+      <p:ext uri="{BB962C8B-B14F-4D97-AF65-F5344CB8AC3E}">
+        <p14:creationId xmlns:p14="http://schemas.microsoft.com/office/powerpoint/2010/main" val="1626619165"/>
+      </p:ext>
+    </p:extLst>
+  </p:cSld>
+  <p:clrMapOvr>
+    <a:masterClrMapping/>
+  </p:clrMapOvr>
+</p:sld>
+</file>
+
+<file path=ppt/slides/slide16.xml><?xml version="1.0" encoding="utf-8"?>
+<p:sld xmlns:a="http://schemas.openxmlformats.org/drawingml/2006/main" xmlns:r="http://schemas.openxmlformats.org/officeDocument/2006/relationships" xmlns:p="http://schemas.openxmlformats.org/presentationml/2006/main">
+  <p:cSld>
+    <p:spTree>
+      <p:nvGrpSpPr>
+        <p:cNvPr id="1" name=""/>
+        <p:cNvGrpSpPr/>
+        <p:nvPr/>
+      </p:nvGrpSpPr>
+      <p:grpSpPr>
+        <a:xfrm>
+          <a:off x="0" y="0"/>
+          <a:ext cx="0" cy="0"/>
+          <a:chOff x="0" y="0"/>
+          <a:chExt cx="0" cy="0"/>
+        </a:xfrm>
+      </p:grpSpPr>
+      <p:sp>
+        <p:nvSpPr>
+          <p:cNvPr id="2" name="Заголовок 1">
+            <a:extLst>
+              <a:ext uri="{FF2B5EF4-FFF2-40B4-BE49-F238E27FC236}">
                 <a16:creationId xmlns:a16="http://schemas.microsoft.com/office/drawing/2014/main" id="{83E00BDC-8280-F10C-7824-1EC35AE13169}"/>
               </a:ext>
             </a:extLst>
@@ -6800,7 +6879,7 @@
                 <a:effectLst/>
                 <a:latin typeface="-apple-system"/>
               </a:rPr>
-              <a:t>Галатенко, В. А. Основы информационной безопасности : учебное пособие / В. А. Галатенко. — 3-е изд. — Москва : Интернет-Университет Информационных Технологий (ИНТУИТ), Ай Пи Ар Медиа, 2020. — 266 c. — ISBN 978-5-4497-0675-1. — URL: https://profspo.ru/books/97562 (дата обращения: 18.10.2022). </a:t>
+              <a:t>Галатенко, В. А. Основы информационной безопасности : учебное пособие / В. А. Галатенко. — 3-е изд. — Москва : Интернет-Университет Информационных Технологий (ИНТУИТ), Ай Пи Ар Медиа, 2020. — 266 c. — ISBN 978-5-4497-0675-1. — URL: https://profspo.ru/books/97562 (дата обращения: 16.10.2022). </a:t>
             </a:r>
             <a:endParaRPr lang="en-US" b="0" i="0" dirty="0">
               <a:solidFill>
@@ -6819,10 +6898,8 @@
                 <a:effectLst/>
                 <a:latin typeface="-apple-system"/>
               </a:rPr>
-              <a:t>Введение в информационную безопасность. Типы уязвимостей. (Д. Гамаюнов, МГУ)</a:t>
-            </a:r>
-          </a:p>
-          <a:p>
+              <a:t>Щеглов А.Ю. Модели, методы и средства контроля доступа к ресурсам вычислительных систем : учебное пособие / Щеглов А.Ю.. — Санкт-Петербург : Университет ИТМО, 2014.</a:t>
+            </a:r>
             <a:endParaRPr lang="en-GB" dirty="0"/>
           </a:p>
         </p:txBody>
@@ -6855,11 +6932,11 @@
           <a:p>
             <a:fld id="{5EEB83C2-341F-4C28-A243-1C56DDDA54D3}" type="slidenum">
               <a:rPr lang="en-US" sz="1000" smtClean="0"/>
-              <a:t>15</a:t>
+              <a:t>16</a:t>
             </a:fld>
             <a:r>
               <a:rPr lang="ru-RU" sz="1000" dirty="0"/>
-              <a:t>/15</a:t>
+              <a:t>/16</a:t>
             </a:r>
             <a:endParaRPr lang="en-US" sz="1000" dirty="0"/>
           </a:p>
@@ -6955,6 +7032,7 @@
               <a:rPr lang="ru-RU" sz="2400" dirty="0"/>
               <a:t>Методы аутентификации</a:t>
             </a:r>
+            <a:endParaRPr lang="ru-RU" sz="2200" dirty="0"/>
           </a:p>
           <a:p>
             <a:r>
@@ -6967,15 +7045,6 @@
               <a:rPr lang="ru-RU" sz="2400" dirty="0"/>
               <a:t>Заключение</a:t>
             </a:r>
-            <a:endParaRPr lang="en-US" sz="2400" dirty="0"/>
-          </a:p>
-          <a:p>
-            <a:r>
-              <a:rPr lang="ru-RU" sz="2400" dirty="0"/>
-              <a:t>Список литературы</a:t>
-            </a:r>
-          </a:p>
-          <a:p>
             <a:endParaRPr lang="ru-RU" dirty="0"/>
           </a:p>
           <a:p>
@@ -6988,10 +7057,10 @@
       </p:sp>
       <p:sp>
         <p:nvSpPr>
-          <p:cNvPr id="5" name="Номер слайда 4">
-            <a:extLst>
-              <a:ext uri="{FF2B5EF4-FFF2-40B4-BE49-F238E27FC236}">
-                <a16:creationId xmlns:a16="http://schemas.microsoft.com/office/drawing/2014/main" id="{0E02CE06-B75C-841B-23E8-0FE2151DF2EF}"/>
+          <p:cNvPr id="4" name="Номер слайда 4">
+            <a:extLst>
+              <a:ext uri="{FF2B5EF4-FFF2-40B4-BE49-F238E27FC236}">
+                <a16:creationId xmlns:a16="http://schemas.microsoft.com/office/drawing/2014/main" id="{DF43CD94-190C-A5A5-6FB0-370632E85F25}"/>
               </a:ext>
             </a:extLst>
           </p:cNvPr>
@@ -7002,7 +7071,12 @@
             <p:ph type="sldNum" sz="quarter" idx="12"/>
           </p:nvPr>
         </p:nvSpPr>
-        <p:spPr/>
+        <p:spPr>
+          <a:xfrm>
+            <a:off x="11024553" y="6397103"/>
+            <a:ext cx="700775" cy="365125"/>
+          </a:xfrm>
+        </p:spPr>
         <p:txBody>
           <a:bodyPr/>
           <a:lstStyle/>
@@ -7013,7 +7087,7 @@
             </a:fld>
             <a:r>
               <a:rPr lang="ru-RU" sz="1000" dirty="0"/>
-              <a:t>/15</a:t>
+              <a:t>/16</a:t>
             </a:r>
             <a:endParaRPr lang="en-US" sz="1000" dirty="0"/>
           </a:p>
@@ -7150,10 +7224,10 @@
       </p:sp>
       <p:sp>
         <p:nvSpPr>
-          <p:cNvPr id="6" name="Номер слайда 4">
-            <a:extLst>
-              <a:ext uri="{FF2B5EF4-FFF2-40B4-BE49-F238E27FC236}">
-                <a16:creationId xmlns:a16="http://schemas.microsoft.com/office/drawing/2014/main" id="{E5C9DB93-2CB5-FB4B-DD16-B9B46F05188C}"/>
+          <p:cNvPr id="4" name="Номер слайда 4">
+            <a:extLst>
+              <a:ext uri="{FF2B5EF4-FFF2-40B4-BE49-F238E27FC236}">
+                <a16:creationId xmlns:a16="http://schemas.microsoft.com/office/drawing/2014/main" id="{9979EDF3-20A8-2ABD-8DF1-F7D07EFFFC52}"/>
               </a:ext>
             </a:extLst>
           </p:cNvPr>
@@ -7180,7 +7254,7 @@
             </a:fld>
             <a:r>
               <a:rPr lang="ru-RU" sz="1000" dirty="0"/>
-              <a:t>/15</a:t>
+              <a:t>/16</a:t>
             </a:r>
             <a:endParaRPr lang="en-US" sz="1000" dirty="0"/>
           </a:p>
@@ -7281,7 +7355,13 @@
           <a:p>
             <a:r>
               <a:rPr lang="ru-RU" sz="2800" dirty="0"/>
-              <a:t>вещественное доказательство, подтверждающее личность</a:t>
+              <a:t>парольная информация; </a:t>
+            </a:r>
+          </a:p>
+          <a:p>
+            <a:r>
+              <a:rPr lang="ru-RU" sz="2800" dirty="0"/>
+              <a:t>физический носитель</a:t>
             </a:r>
             <a:r>
               <a:rPr lang="en-US" sz="2800" dirty="0"/>
@@ -7292,12 +7372,6 @@
           <a:p>
             <a:r>
               <a:rPr lang="ru-RU" sz="2800" dirty="0"/>
-              <a:t>парольная информация; </a:t>
-            </a:r>
-          </a:p>
-          <a:p>
-            <a:r>
-              <a:rPr lang="ru-RU" sz="2800" dirty="0"/>
               <a:t>биометрическая характеристика пользователя</a:t>
             </a:r>
             <a:r>
@@ -7310,10 +7384,10 @@
       </p:sp>
       <p:sp>
         <p:nvSpPr>
-          <p:cNvPr id="5" name="Номер слайда 4">
-            <a:extLst>
-              <a:ext uri="{FF2B5EF4-FFF2-40B4-BE49-F238E27FC236}">
-                <a16:creationId xmlns:a16="http://schemas.microsoft.com/office/drawing/2014/main" id="{048A03F3-DB41-0555-EE9C-CD258FF7B5FC}"/>
+          <p:cNvPr id="4" name="Номер слайда 4">
+            <a:extLst>
+              <a:ext uri="{FF2B5EF4-FFF2-40B4-BE49-F238E27FC236}">
+                <a16:creationId xmlns:a16="http://schemas.microsoft.com/office/drawing/2014/main" id="{461D374A-725A-E69C-07F9-686C6A8A5E80}"/>
               </a:ext>
             </a:extLst>
           </p:cNvPr>
@@ -7340,7 +7414,7 @@
             </a:fld>
             <a:r>
               <a:rPr lang="ru-RU" sz="1000" dirty="0"/>
-              <a:t>/15</a:t>
+              <a:t>/16</a:t>
             </a:r>
             <a:endParaRPr lang="en-US" sz="1000" dirty="0"/>
           </a:p>
@@ -7429,7 +7503,7 @@
         </p:spPr>
         <p:txBody>
           <a:bodyPr>
-            <a:normAutofit fontScale="92500" lnSpcReduction="20000"/>
+            <a:normAutofit lnSpcReduction="10000"/>
           </a:bodyPr>
           <a:lstStyle/>
           <a:p>
@@ -7474,12 +7548,18 @@
               <a:rPr lang="ru-RU" sz="2800" dirty="0"/>
               <a:t>установленный срок действия паролей;</a:t>
             </a:r>
+            <a:endParaRPr lang="en-US" sz="2800" dirty="0"/>
           </a:p>
           <a:p>
             <a:r>
               <a:rPr lang="ru-RU" sz="2800" dirty="0"/>
-              <a:t>ограниченный доступ к файлу паролей;</a:t>
-            </a:r>
+              <a:t>использование программных генераторов паролей</a:t>
+            </a:r>
+            <a:r>
+              <a:rPr lang="en-US" sz="2800" dirty="0"/>
+              <a:t>;</a:t>
+            </a:r>
+            <a:endParaRPr lang="ru-RU" sz="2800" dirty="0"/>
           </a:p>
           <a:p>
             <a:r>
@@ -7488,13 +7568,7 @@
             </a:r>
             <a:r>
               <a:rPr lang="en-US" sz="2800" dirty="0"/>
-              <a:t>;</a:t>
-            </a:r>
-          </a:p>
-          <a:p>
-            <a:r>
-              <a:rPr lang="ru-RU" sz="2800" dirty="0"/>
-              <a:t>использование программных генераторов паролей.</a:t>
+              <a:t>.</a:t>
             </a:r>
           </a:p>
         </p:txBody>
@@ -7531,7 +7605,7 @@
             </a:fld>
             <a:r>
               <a:rPr lang="ru-RU" sz="1000" dirty="0"/>
-              <a:t>/15</a:t>
+              <a:t>/16</a:t>
             </a:r>
             <a:endParaRPr lang="en-US" sz="1000" dirty="0"/>
           </a:p>
@@ -7572,7 +7646,7 @@
           <p:cNvPr id="2" name="Заголовок 1">
             <a:extLst>
               <a:ext uri="{FF2B5EF4-FFF2-40B4-BE49-F238E27FC236}">
-                <a16:creationId xmlns:a16="http://schemas.microsoft.com/office/drawing/2014/main" id="{C339D14D-CBF0-C5E5-60B1-5916A13E90B6}"/>
+                <a16:creationId xmlns:a16="http://schemas.microsoft.com/office/drawing/2014/main" id="{4CA8EA32-833A-9551-F586-BEE51903431F}"/>
               </a:ext>
             </a:extLst>
           </p:cNvPr>
@@ -7581,35 +7655,6 @@
           </p:cNvSpPr>
           <p:nvPr>
             <p:ph type="title"/>
-          </p:nvPr>
-        </p:nvSpPr>
-        <p:spPr/>
-        <p:txBody>
-          <a:bodyPr/>
-          <a:lstStyle/>
-          <a:p>
-            <a:r>
-              <a:rPr lang="ru-RU" dirty="0"/>
-              <a:t>Биометрия</a:t>
-            </a:r>
-            <a:endParaRPr lang="en-GB" dirty="0"/>
-          </a:p>
-        </p:txBody>
-      </p:sp>
-      <p:sp>
-        <p:nvSpPr>
-          <p:cNvPr id="3" name="Объект 2">
-            <a:extLst>
-              <a:ext uri="{FF2B5EF4-FFF2-40B4-BE49-F238E27FC236}">
-                <a16:creationId xmlns:a16="http://schemas.microsoft.com/office/drawing/2014/main" id="{223691F5-F26A-9E16-9690-8D97CC8CAF69}"/>
-              </a:ext>
-            </a:extLst>
-          </p:cNvPr>
-          <p:cNvSpPr>
-            <a:spLocks noGrp="1"/>
-          </p:cNvSpPr>
-          <p:nvPr>
-            <p:ph idx="1"/>
           </p:nvPr>
         </p:nvSpPr>
         <p:spPr/>
@@ -7620,11 +7665,52 @@
           <a:lstStyle/>
           <a:p>
             <a:r>
+              <a:rPr lang="ru-RU" dirty="0"/>
+              <a:t>Аппаратные средства аутентификации</a:t>
+            </a:r>
+            <a:endParaRPr lang="en-GB" dirty="0"/>
+          </a:p>
+        </p:txBody>
+      </p:sp>
+      <p:sp>
+        <p:nvSpPr>
+          <p:cNvPr id="3" name="Объект 2">
+            <a:extLst>
+              <a:ext uri="{FF2B5EF4-FFF2-40B4-BE49-F238E27FC236}">
+                <a16:creationId xmlns:a16="http://schemas.microsoft.com/office/drawing/2014/main" id="{6A9BAA0C-E422-0453-FA3D-F5D1FAFF3390}"/>
+              </a:ext>
+            </a:extLst>
+          </p:cNvPr>
+          <p:cNvSpPr>
+            <a:spLocks noGrp="1"/>
+          </p:cNvSpPr>
+          <p:nvPr>
+            <p:ph idx="1"/>
+          </p:nvPr>
+        </p:nvSpPr>
+        <p:spPr/>
+        <p:txBody>
+          <a:bodyPr>
+            <a:normAutofit/>
+          </a:bodyPr>
+          <a:lstStyle/>
+          <a:p>
+            <a:r>
               <a:rPr lang="ru-RU" sz="2800" dirty="0"/>
-              <a:t>Биометрия представляет собой совокупность автоматизированных методов идентификации и/или аутентификации людей на основе их физиологических и поведенческих характеристик</a:t>
-            </a:r>
-            <a:r>
-              <a:rPr lang="en-US" sz="2800" dirty="0"/>
+              <a:t>Это небольшие по размеру устройства, которые позволяют пользователю получать доступ к информационным системам с локального рабочего места или удаленно с использованием подключения к сети интернет. </a:t>
+            </a:r>
+          </a:p>
+          <a:p>
+            <a:r>
+              <a:rPr lang="ru-RU" sz="2800" dirty="0"/>
+              <a:t>Такие устройства принято называть </a:t>
+            </a:r>
+            <a:r>
+              <a:rPr lang="ru-RU" sz="2800" i="1" dirty="0"/>
+              <a:t>токенами</a:t>
+            </a:r>
+            <a:r>
+              <a:rPr lang="ru-RU" sz="2800" dirty="0"/>
               <a:t>.</a:t>
             </a:r>
             <a:endParaRPr lang="en-GB" sz="2800" dirty="0"/>
@@ -7633,10 +7719,10 @@
       </p:sp>
       <p:sp>
         <p:nvSpPr>
-          <p:cNvPr id="5" name="Номер слайда 4">
-            <a:extLst>
-              <a:ext uri="{FF2B5EF4-FFF2-40B4-BE49-F238E27FC236}">
-                <a16:creationId xmlns:a16="http://schemas.microsoft.com/office/drawing/2014/main" id="{990F747D-6067-81F0-AB8E-0249BFA73FC5}"/>
+          <p:cNvPr id="4" name="Номер слайда 4">
+            <a:extLst>
+              <a:ext uri="{FF2B5EF4-FFF2-40B4-BE49-F238E27FC236}">
+                <a16:creationId xmlns:a16="http://schemas.microsoft.com/office/drawing/2014/main" id="{65D1DD97-D028-1974-6D12-599FEBEA36F4}"/>
               </a:ext>
             </a:extLst>
           </p:cNvPr>
@@ -7663,7 +7749,7 @@
             </a:fld>
             <a:r>
               <a:rPr lang="ru-RU" sz="1000" dirty="0"/>
-              <a:t>/15</a:t>
+              <a:t>/16</a:t>
             </a:r>
             <a:endParaRPr lang="en-US" sz="1000" dirty="0"/>
           </a:p>
@@ -7672,7 +7758,7 @@
     </p:spTree>
     <p:extLst>
       <p:ext uri="{BB962C8B-B14F-4D97-AF65-F5344CB8AC3E}">
-        <p14:creationId xmlns:p14="http://schemas.microsoft.com/office/powerpoint/2010/main" val="3383041152"/>
+        <p14:creationId xmlns:p14="http://schemas.microsoft.com/office/powerpoint/2010/main" val="851782064"/>
       </p:ext>
     </p:extLst>
   </p:cSld>
@@ -7704,7 +7790,7 @@
           <p:cNvPr id="2" name="Заголовок 1">
             <a:extLst>
               <a:ext uri="{FF2B5EF4-FFF2-40B4-BE49-F238E27FC236}">
-                <a16:creationId xmlns:a16="http://schemas.microsoft.com/office/drawing/2014/main" id="{0E7B8EDC-C7CF-F428-FF10-B5C84CE926C0}"/>
+                <a16:creationId xmlns:a16="http://schemas.microsoft.com/office/drawing/2014/main" id="{C339D14D-CBF0-C5E5-60B1-5916A13E90B6}"/>
               </a:ext>
             </a:extLst>
           </p:cNvPr>
@@ -7722,7 +7808,7 @@
           <a:p>
             <a:r>
               <a:rPr lang="ru-RU" dirty="0"/>
-              <a:t>Управление доступом</a:t>
+              <a:t>Биометрия</a:t>
             </a:r>
             <a:endParaRPr lang="en-GB" dirty="0"/>
           </a:p>
@@ -7733,7 +7819,7 @@
           <p:cNvPr id="3" name="Объект 2">
             <a:extLst>
               <a:ext uri="{FF2B5EF4-FFF2-40B4-BE49-F238E27FC236}">
-                <a16:creationId xmlns:a16="http://schemas.microsoft.com/office/drawing/2014/main" id="{26C16627-4AAD-0D6C-656F-35832D4CD3C2}"/>
+                <a16:creationId xmlns:a16="http://schemas.microsoft.com/office/drawing/2014/main" id="{223691F5-F26A-9E16-9690-8D97CC8CAF69}"/>
               </a:ext>
             </a:extLst>
           </p:cNvPr>
@@ -7751,35 +7837,24 @@
           </a:bodyPr>
           <a:lstStyle/>
           <a:p>
-            <a:pPr marL="0" indent="0">
-              <a:buNone/>
-            </a:pPr>
             <a:r>
               <a:rPr lang="ru-RU" sz="2800" dirty="0"/>
-              <a:t>Средства управления доступом позволяют специфицировать и контролировать действия, которые субъекты могут выполнять над объектами.</a:t>
-            </a:r>
-          </a:p>
-          <a:p>
-            <a:r>
-              <a:rPr lang="ru-RU" sz="2800" dirty="0"/>
-              <a:t>Физическое управление доступом</a:t>
-            </a:r>
-          </a:p>
-          <a:p>
-            <a:r>
-              <a:rPr lang="ru-RU" sz="2800" dirty="0"/>
-              <a:t>Логическое управление доступом</a:t>
-            </a:r>
-            <a:endParaRPr lang="en-GB" sz="2800" dirty="0"/>
-          </a:p>
-        </p:txBody>
-      </p:sp>
-      <p:sp>
-        <p:nvSpPr>
-          <p:cNvPr id="5" name="Номер слайда 4">
-            <a:extLst>
-              <a:ext uri="{FF2B5EF4-FFF2-40B4-BE49-F238E27FC236}">
-                <a16:creationId xmlns:a16="http://schemas.microsoft.com/office/drawing/2014/main" id="{18A62DE0-A96B-79D7-4207-8D3A5B341A6A}"/>
+              <a:t>Биометрия представляет собой совокупность автоматизированных методов аутентификации людей на основе их физиологических и поведенческих характеристик</a:t>
+            </a:r>
+            <a:r>
+              <a:rPr lang="en-US" sz="2800" dirty="0"/>
+              <a:t>.</a:t>
+            </a:r>
+            <a:endParaRPr lang="ru-RU" sz="2800" dirty="0"/>
+          </a:p>
+        </p:txBody>
+      </p:sp>
+      <p:sp>
+        <p:nvSpPr>
+          <p:cNvPr id="4" name="Номер слайда 4">
+            <a:extLst>
+              <a:ext uri="{FF2B5EF4-FFF2-40B4-BE49-F238E27FC236}">
+                <a16:creationId xmlns:a16="http://schemas.microsoft.com/office/drawing/2014/main" id="{9C4ED37C-39D3-6761-D419-72C257BAAE5A}"/>
               </a:ext>
             </a:extLst>
           </p:cNvPr>
@@ -7806,7 +7881,7 @@
             </a:fld>
             <a:r>
               <a:rPr lang="ru-RU" sz="1000" dirty="0"/>
-              <a:t>/15</a:t>
+              <a:t>/16</a:t>
             </a:r>
             <a:endParaRPr lang="en-US" sz="1000" dirty="0"/>
           </a:p>
@@ -7815,7 +7890,7 @@
     </p:spTree>
     <p:extLst>
       <p:ext uri="{BB962C8B-B14F-4D97-AF65-F5344CB8AC3E}">
-        <p14:creationId xmlns:p14="http://schemas.microsoft.com/office/powerpoint/2010/main" val="2595648118"/>
+        <p14:creationId xmlns:p14="http://schemas.microsoft.com/office/powerpoint/2010/main" val="3383041152"/>
       </p:ext>
     </p:extLst>
   </p:cSld>
@@ -7847,7 +7922,7 @@
           <p:cNvPr id="2" name="Заголовок 1">
             <a:extLst>
               <a:ext uri="{FF2B5EF4-FFF2-40B4-BE49-F238E27FC236}">
-                <a16:creationId xmlns:a16="http://schemas.microsoft.com/office/drawing/2014/main" id="{6D686906-523F-1C0A-663C-B33D8C9F0300}"/>
+                <a16:creationId xmlns:a16="http://schemas.microsoft.com/office/drawing/2014/main" id="{0E7B8EDC-C7CF-F428-FF10-B5C84CE926C0}"/>
               </a:ext>
             </a:extLst>
           </p:cNvPr>
@@ -7876,7 +7951,7 @@
           <p:cNvPr id="3" name="Объект 2">
             <a:extLst>
               <a:ext uri="{FF2B5EF4-FFF2-40B4-BE49-F238E27FC236}">
-                <a16:creationId xmlns:a16="http://schemas.microsoft.com/office/drawing/2014/main" id="{DAAB0B64-49FD-1CAD-C56D-50FCD9357B4C}"/>
+                <a16:creationId xmlns:a16="http://schemas.microsoft.com/office/drawing/2014/main" id="{26C16627-4AAD-0D6C-656F-35832D4CD3C2}"/>
               </a:ext>
             </a:extLst>
           </p:cNvPr>
@@ -7894,19 +7969,24 @@
           </a:bodyPr>
           <a:lstStyle/>
           <a:p>
-            <a:r>
-              <a:rPr lang="ru-RU" sz="2800" b="1" dirty="0"/>
-              <a:t>Цель</a:t>
-            </a:r>
+            <a:pPr marL="0" indent="0">
+              <a:buNone/>
+            </a:pPr>
             <a:r>
               <a:rPr lang="ru-RU" sz="2800" dirty="0"/>
-              <a:t> управления доступом – это ограничение операций которые может проводить легитимный пользователь. </a:t>
+              <a:t>Средства управления доступом позволяют специфицировать и контролировать действия, которые субъекты могут выполнять над объектами.</a:t>
             </a:r>
           </a:p>
           <a:p>
             <a:r>
               <a:rPr lang="ru-RU" sz="2800" dirty="0"/>
-              <a:t>Управление доступом указывает что конкретно пользователь имеет право делать в системе, а также какие операции разрешены для выполнения приложениями, выступающими от имени пользователя.</a:t>
+              <a:t>Физическое управление доступом</a:t>
+            </a:r>
+          </a:p>
+          <a:p>
+            <a:r>
+              <a:rPr lang="ru-RU" sz="2800" dirty="0"/>
+              <a:t>Логическое управление доступом</a:t>
             </a:r>
             <a:endParaRPr lang="en-GB" sz="2800" dirty="0"/>
           </a:p>
@@ -7914,10 +7994,10 @@
       </p:sp>
       <p:sp>
         <p:nvSpPr>
-          <p:cNvPr id="5" name="Номер слайда 4">
-            <a:extLst>
-              <a:ext uri="{FF2B5EF4-FFF2-40B4-BE49-F238E27FC236}">
-                <a16:creationId xmlns:a16="http://schemas.microsoft.com/office/drawing/2014/main" id="{3DCC553F-1276-24FB-4D74-881C0CDAA656}"/>
+          <p:cNvPr id="4" name="Номер слайда 4">
+            <a:extLst>
+              <a:ext uri="{FF2B5EF4-FFF2-40B4-BE49-F238E27FC236}">
+                <a16:creationId xmlns:a16="http://schemas.microsoft.com/office/drawing/2014/main" id="{B49F2EA0-5BB6-8987-03AF-07E89C0B3CC8}"/>
               </a:ext>
             </a:extLst>
           </p:cNvPr>
@@ -7944,7 +8024,7 @@
             </a:fld>
             <a:r>
               <a:rPr lang="ru-RU" sz="1000" dirty="0"/>
-              <a:t>/15</a:t>
+              <a:t>/16</a:t>
             </a:r>
             <a:endParaRPr lang="en-US" sz="1000" dirty="0"/>
           </a:p>
@@ -7953,7 +8033,7 @@
     </p:spTree>
     <p:extLst>
       <p:ext uri="{BB962C8B-B14F-4D97-AF65-F5344CB8AC3E}">
-        <p14:creationId xmlns:p14="http://schemas.microsoft.com/office/powerpoint/2010/main" val="512097274"/>
+        <p14:creationId xmlns:p14="http://schemas.microsoft.com/office/powerpoint/2010/main" val="2595648118"/>
       </p:ext>
     </p:extLst>
   </p:cSld>
@@ -7985,7 +8065,7 @@
           <p:cNvPr id="2" name="Заголовок 1">
             <a:extLst>
               <a:ext uri="{FF2B5EF4-FFF2-40B4-BE49-F238E27FC236}">
-                <a16:creationId xmlns:a16="http://schemas.microsoft.com/office/drawing/2014/main" id="{EC7089B3-42A4-014C-0DB7-B1B0BB96A083}"/>
+                <a16:creationId xmlns:a16="http://schemas.microsoft.com/office/drawing/2014/main" id="{6D686906-523F-1C0A-663C-B33D8C9F0300}"/>
               </a:ext>
             </a:extLst>
           </p:cNvPr>
@@ -7994,6 +8074,35 @@
           </p:cNvSpPr>
           <p:nvPr>
             <p:ph type="title"/>
+          </p:nvPr>
+        </p:nvSpPr>
+        <p:spPr/>
+        <p:txBody>
+          <a:bodyPr/>
+          <a:lstStyle/>
+          <a:p>
+            <a:r>
+              <a:rPr lang="ru-RU" dirty="0"/>
+              <a:t>Управление доступом</a:t>
+            </a:r>
+            <a:endParaRPr lang="en-GB" dirty="0"/>
+          </a:p>
+        </p:txBody>
+      </p:sp>
+      <p:sp>
+        <p:nvSpPr>
+          <p:cNvPr id="3" name="Объект 2">
+            <a:extLst>
+              <a:ext uri="{FF2B5EF4-FFF2-40B4-BE49-F238E27FC236}">
+                <a16:creationId xmlns:a16="http://schemas.microsoft.com/office/drawing/2014/main" id="{DAAB0B64-49FD-1CAD-C56D-50FCD9357B4C}"/>
+              </a:ext>
+            </a:extLst>
+          </p:cNvPr>
+          <p:cNvSpPr>
+            <a:spLocks noGrp="1"/>
+          </p:cNvSpPr>
+          <p:nvPr>
+            <p:ph idx="1"/>
           </p:nvPr>
         </p:nvSpPr>
         <p:spPr/>
@@ -8004,51 +8113,18 @@
           <a:lstStyle/>
           <a:p>
             <a:r>
-              <a:rPr lang="ru-RU" dirty="0"/>
-              <a:t>Модели управления доступом</a:t>
-            </a:r>
-            <a:endParaRPr lang="en-GB" dirty="0"/>
-          </a:p>
-        </p:txBody>
-      </p:sp>
-      <p:sp>
-        <p:nvSpPr>
-          <p:cNvPr id="3" name="Объект 2">
-            <a:extLst>
-              <a:ext uri="{FF2B5EF4-FFF2-40B4-BE49-F238E27FC236}">
-                <a16:creationId xmlns:a16="http://schemas.microsoft.com/office/drawing/2014/main" id="{3A20AE0F-DB80-1B3A-C671-673008BE0D43}"/>
-              </a:ext>
-            </a:extLst>
-          </p:cNvPr>
-          <p:cNvSpPr>
-            <a:spLocks noGrp="1"/>
-          </p:cNvSpPr>
-          <p:nvPr>
-            <p:ph idx="1"/>
-          </p:nvPr>
-        </p:nvSpPr>
-        <p:spPr/>
-        <p:txBody>
-          <a:bodyPr>
-            <a:normAutofit/>
-          </a:bodyPr>
-          <a:lstStyle/>
-          <a:p>
+              <a:rPr lang="ru-RU" sz="2800" b="1" dirty="0"/>
+              <a:t>Цель</a:t>
+            </a:r>
             <a:r>
               <a:rPr lang="ru-RU" sz="2800" dirty="0"/>
-              <a:t>Избирательное управление доступом</a:t>
+              <a:t> управления доступом – это ограничение операций которые может проводить легитимный пользователь. </a:t>
             </a:r>
           </a:p>
           <a:p>
             <a:r>
               <a:rPr lang="ru-RU" sz="2800" dirty="0"/>
-              <a:t>Полномочное управление доступом</a:t>
-            </a:r>
-          </a:p>
-          <a:p>
-            <a:r>
-              <a:rPr lang="ru-RU" sz="2800" dirty="0"/>
-              <a:t>Ролевое управление доступом</a:t>
+              <a:t>Управление доступом указывает что конкретно пользователь имеет право делать в системе, а также какие операции разрешены для выполнения приложениями, выступающими от имени пользователя.</a:t>
             </a:r>
             <a:endParaRPr lang="en-GB" sz="2800" dirty="0"/>
           </a:p>
@@ -8059,7 +8135,7 @@
           <p:cNvPr id="5" name="Номер слайда 4">
             <a:extLst>
               <a:ext uri="{FF2B5EF4-FFF2-40B4-BE49-F238E27FC236}">
-                <a16:creationId xmlns:a16="http://schemas.microsoft.com/office/drawing/2014/main" id="{D14EE61C-7971-E510-6620-A59B5AD679E7}"/>
+                <a16:creationId xmlns:a16="http://schemas.microsoft.com/office/drawing/2014/main" id="{3DCC553F-1276-24FB-4D74-881C0CDAA656}"/>
               </a:ext>
             </a:extLst>
           </p:cNvPr>
@@ -8086,7 +8162,7 @@
             </a:fld>
             <a:r>
               <a:rPr lang="ru-RU" sz="1000" dirty="0"/>
-              <a:t>/15</a:t>
+              <a:t>/16</a:t>
             </a:r>
             <a:endParaRPr lang="en-US" sz="1000" dirty="0"/>
           </a:p>
@@ -8095,7 +8171,7 @@
     </p:spTree>
     <p:extLst>
       <p:ext uri="{BB962C8B-B14F-4D97-AF65-F5344CB8AC3E}">
-        <p14:creationId xmlns:p14="http://schemas.microsoft.com/office/powerpoint/2010/main" val="2719579270"/>
+        <p14:creationId xmlns:p14="http://schemas.microsoft.com/office/powerpoint/2010/main" val="512097274"/>
       </p:ext>
     </p:extLst>
   </p:cSld>
